--- a/public/document/diagram/Sagyo.pptx
+++ b/public/document/diagram/Sagyo.pptx
@@ -7,6 +7,7 @@
   <p:sldIdLst>
     <p:sldId id="256" r:id="rId2"/>
     <p:sldId id="257" r:id="rId3"/>
+    <p:sldId id="258" r:id="rId4"/>
   </p:sldIdLst>
   <p:sldSz cx="12192000" cy="6858000"/>
   <p:notesSz cx="6858000" cy="9144000"/>
@@ -113,6 +114,18 @@
 </p:presentation>
 </file>
 
+<file path=ppt/commentAuthors.xml><?xml version="1.0" encoding="utf-8"?>
+<p:cmAuthorLst xmlns:a="http://schemas.openxmlformats.org/drawingml/2006/main" xmlns:r="http://schemas.openxmlformats.org/officeDocument/2006/relationships" xmlns:p="http://schemas.openxmlformats.org/presentationml/2006/main">
+  <p:cmAuthor id="1" name="Lee KiSeung" initials="LK" lastIdx="1" clrIdx="0">
+    <p:extLst>
+      <p:ext uri="{19B8F6BF-5375-455C-9EA6-DF929625EA0E}">
+        <p15:presenceInfo xmlns:p15="http://schemas.microsoft.com/office/powerpoint/2012/main" userId="0dadd1959f90bd65" providerId="Windows Live"/>
+      </p:ext>
+    </p:extLst>
+  </p:cmAuthor>
+</p:cmAuthorLst>
+</file>
+
 <file path=ppt/slideLayouts/slideLayout1.xml><?xml version="1.0" encoding="utf-8"?>
 <p:sldLayout xmlns:a="http://schemas.openxmlformats.org/drawingml/2006/main" xmlns:r="http://schemas.openxmlformats.org/officeDocument/2006/relationships" xmlns:p="http://schemas.openxmlformats.org/presentationml/2006/main" type="title" preserve="1">
   <p:cSld name="제목 슬라이드">
@@ -260,7 +273,7 @@
           <a:p>
             <a:fld id="{C792A4EE-2D10-4222-84B0-484F634A220B}" type="datetimeFigureOut">
               <a:rPr lang="ko-KR" altLang="en-US" smtClean="0"/>
-              <a:t>2020-04-21</a:t>
+              <a:t>2020-04-29</a:t>
             </a:fld>
             <a:endParaRPr lang="ko-KR" altLang="en-US"/>
           </a:p>
@@ -458,7 +471,7 @@
           <a:p>
             <a:fld id="{C792A4EE-2D10-4222-84B0-484F634A220B}" type="datetimeFigureOut">
               <a:rPr lang="ko-KR" altLang="en-US" smtClean="0"/>
-              <a:t>2020-04-21</a:t>
+              <a:t>2020-04-29</a:t>
             </a:fld>
             <a:endParaRPr lang="ko-KR" altLang="en-US"/>
           </a:p>
@@ -666,7 +679,7 @@
           <a:p>
             <a:fld id="{C792A4EE-2D10-4222-84B0-484F634A220B}" type="datetimeFigureOut">
               <a:rPr lang="ko-KR" altLang="en-US" smtClean="0"/>
-              <a:t>2020-04-21</a:t>
+              <a:t>2020-04-29</a:t>
             </a:fld>
             <a:endParaRPr lang="ko-KR" altLang="en-US"/>
           </a:p>
@@ -864,7 +877,7 @@
           <a:p>
             <a:fld id="{C792A4EE-2D10-4222-84B0-484F634A220B}" type="datetimeFigureOut">
               <a:rPr lang="ko-KR" altLang="en-US" smtClean="0"/>
-              <a:t>2020-04-21</a:t>
+              <a:t>2020-04-29</a:t>
             </a:fld>
             <a:endParaRPr lang="ko-KR" altLang="en-US"/>
           </a:p>
@@ -1139,7 +1152,7 @@
           <a:p>
             <a:fld id="{C792A4EE-2D10-4222-84B0-484F634A220B}" type="datetimeFigureOut">
               <a:rPr lang="ko-KR" altLang="en-US" smtClean="0"/>
-              <a:t>2020-04-21</a:t>
+              <a:t>2020-04-29</a:t>
             </a:fld>
             <a:endParaRPr lang="ko-KR" altLang="en-US"/>
           </a:p>
@@ -1404,7 +1417,7 @@
           <a:p>
             <a:fld id="{C792A4EE-2D10-4222-84B0-484F634A220B}" type="datetimeFigureOut">
               <a:rPr lang="ko-KR" altLang="en-US" smtClean="0"/>
-              <a:t>2020-04-21</a:t>
+              <a:t>2020-04-29</a:t>
             </a:fld>
             <a:endParaRPr lang="ko-KR" altLang="en-US"/>
           </a:p>
@@ -1816,7 +1829,7 @@
           <a:p>
             <a:fld id="{C792A4EE-2D10-4222-84B0-484F634A220B}" type="datetimeFigureOut">
               <a:rPr lang="ko-KR" altLang="en-US" smtClean="0"/>
-              <a:t>2020-04-21</a:t>
+              <a:t>2020-04-29</a:t>
             </a:fld>
             <a:endParaRPr lang="ko-KR" altLang="en-US"/>
           </a:p>
@@ -1957,7 +1970,7 @@
           <a:p>
             <a:fld id="{C792A4EE-2D10-4222-84B0-484F634A220B}" type="datetimeFigureOut">
               <a:rPr lang="ko-KR" altLang="en-US" smtClean="0"/>
-              <a:t>2020-04-21</a:t>
+              <a:t>2020-04-29</a:t>
             </a:fld>
             <a:endParaRPr lang="ko-KR" altLang="en-US"/>
           </a:p>
@@ -2070,7 +2083,7 @@
           <a:p>
             <a:fld id="{C792A4EE-2D10-4222-84B0-484F634A220B}" type="datetimeFigureOut">
               <a:rPr lang="ko-KR" altLang="en-US" smtClean="0"/>
-              <a:t>2020-04-21</a:t>
+              <a:t>2020-04-29</a:t>
             </a:fld>
             <a:endParaRPr lang="ko-KR" altLang="en-US"/>
           </a:p>
@@ -2381,7 +2394,7 @@
           <a:p>
             <a:fld id="{C792A4EE-2D10-4222-84B0-484F634A220B}" type="datetimeFigureOut">
               <a:rPr lang="ko-KR" altLang="en-US" smtClean="0"/>
-              <a:t>2020-04-21</a:t>
+              <a:t>2020-04-29</a:t>
             </a:fld>
             <a:endParaRPr lang="ko-KR" altLang="en-US"/>
           </a:p>
@@ -2669,7 +2682,7 @@
           <a:p>
             <a:fld id="{C792A4EE-2D10-4222-84B0-484F634A220B}" type="datetimeFigureOut">
               <a:rPr lang="ko-KR" altLang="en-US" smtClean="0"/>
-              <a:t>2020-04-21</a:t>
+              <a:t>2020-04-29</a:t>
             </a:fld>
             <a:endParaRPr lang="ko-KR" altLang="en-US"/>
           </a:p>
@@ -2910,7 +2923,7 @@
           <a:p>
             <a:fld id="{C792A4EE-2D10-4222-84B0-484F634A220B}" type="datetimeFigureOut">
               <a:rPr lang="ko-KR" altLang="en-US" smtClean="0"/>
-              <a:t>2020-04-21</a:t>
+              <a:t>2020-04-29</a:t>
             </a:fld>
             <a:endParaRPr lang="ko-KR" altLang="en-US"/>
           </a:p>
@@ -5430,6 +5443,2314 @@
 </p:sld>
 </file>
 
+<file path=ppt/slides/slide3.xml><?xml version="1.0" encoding="utf-8"?>
+<p:sld xmlns:a="http://schemas.openxmlformats.org/drawingml/2006/main" xmlns:r="http://schemas.openxmlformats.org/officeDocument/2006/relationships" xmlns:p="http://schemas.openxmlformats.org/presentationml/2006/main">
+  <p:cSld>
+    <p:spTree>
+      <p:nvGrpSpPr>
+        <p:cNvPr id="1" name=""/>
+        <p:cNvGrpSpPr/>
+        <p:nvPr/>
+      </p:nvGrpSpPr>
+      <p:grpSpPr>
+        <a:xfrm>
+          <a:off x="0" y="0"/>
+          <a:ext cx="0" cy="0"/>
+          <a:chOff x="0" y="0"/>
+          <a:chExt cx="0" cy="0"/>
+        </a:xfrm>
+      </p:grpSpPr>
+      <p:grpSp>
+        <p:nvGrpSpPr>
+          <p:cNvPr id="151" name="그룹 150">
+            <a:extLst>
+              <a:ext uri="{FF2B5EF4-FFF2-40B4-BE49-F238E27FC236}">
+                <a16:creationId xmlns:a16="http://schemas.microsoft.com/office/drawing/2014/main" id="{36DD0699-C2EE-4283-BADE-8132106F3388}"/>
+              </a:ext>
+            </a:extLst>
+          </p:cNvPr>
+          <p:cNvGrpSpPr/>
+          <p:nvPr/>
+        </p:nvGrpSpPr>
+        <p:grpSpPr>
+          <a:xfrm>
+            <a:off x="457873" y="455841"/>
+            <a:ext cx="10682068" cy="4653499"/>
+            <a:chOff x="457873" y="455841"/>
+            <a:chExt cx="10682068" cy="4653499"/>
+          </a:xfrm>
+        </p:grpSpPr>
+        <p:cxnSp>
+          <p:nvCxnSpPr>
+            <p:cNvPr id="14" name="직선 화살표 연결선 13">
+              <a:extLst>
+                <a:ext uri="{FF2B5EF4-FFF2-40B4-BE49-F238E27FC236}">
+                  <a16:creationId xmlns:a16="http://schemas.microsoft.com/office/drawing/2014/main" id="{DC856F3A-950C-4C08-8611-6D82A72B2D73}"/>
+                </a:ext>
+              </a:extLst>
+            </p:cNvPr>
+            <p:cNvCxnSpPr>
+              <a:cxnSpLocks/>
+              <a:stCxn id="6" idx="2"/>
+              <a:endCxn id="2" idx="1"/>
+            </p:cNvCxnSpPr>
+            <p:nvPr/>
+          </p:nvCxnSpPr>
+          <p:spPr>
+            <a:xfrm>
+              <a:off x="1715949" y="959841"/>
+              <a:ext cx="1772025" cy="785375"/>
+            </a:xfrm>
+            <a:prstGeom prst="straightConnector1">
+              <a:avLst/>
+            </a:prstGeom>
+            <a:ln w="19050">
+              <a:solidFill>
+                <a:schemeClr val="accent2">
+                  <a:lumMod val="60000"/>
+                  <a:lumOff val="40000"/>
+                </a:schemeClr>
+              </a:solidFill>
+              <a:prstDash val="dash"/>
+              <a:headEnd type="triangle"/>
+              <a:tailEnd type="triangle"/>
+            </a:ln>
+          </p:spPr>
+          <p:style>
+            <a:lnRef idx="1">
+              <a:schemeClr val="accent1"/>
+            </a:lnRef>
+            <a:fillRef idx="0">
+              <a:schemeClr val="accent1"/>
+            </a:fillRef>
+            <a:effectRef idx="0">
+              <a:schemeClr val="accent1"/>
+            </a:effectRef>
+            <a:fontRef idx="minor">
+              <a:schemeClr val="tx1"/>
+            </a:fontRef>
+          </p:style>
+        </p:cxnSp>
+        <p:cxnSp>
+          <p:nvCxnSpPr>
+            <p:cNvPr id="16" name="직선 화살표 연결선 15">
+              <a:extLst>
+                <a:ext uri="{FF2B5EF4-FFF2-40B4-BE49-F238E27FC236}">
+                  <a16:creationId xmlns:a16="http://schemas.microsoft.com/office/drawing/2014/main" id="{AD5EA341-FF1D-41E5-A653-2D12D6CE65E9}"/>
+                </a:ext>
+              </a:extLst>
+            </p:cNvPr>
+            <p:cNvCxnSpPr>
+              <a:cxnSpLocks/>
+              <a:stCxn id="6" idx="2"/>
+              <a:endCxn id="4" idx="1"/>
+            </p:cNvCxnSpPr>
+            <p:nvPr/>
+          </p:nvCxnSpPr>
+          <p:spPr>
+            <a:xfrm>
+              <a:off x="1715949" y="959841"/>
+              <a:ext cx="1772025" cy="1822750"/>
+            </a:xfrm>
+            <a:prstGeom prst="straightConnector1">
+              <a:avLst/>
+            </a:prstGeom>
+            <a:ln w="19050">
+              <a:solidFill>
+                <a:schemeClr val="accent2">
+                  <a:lumMod val="60000"/>
+                  <a:lumOff val="40000"/>
+                </a:schemeClr>
+              </a:solidFill>
+              <a:prstDash val="dash"/>
+              <a:headEnd type="triangle"/>
+              <a:tailEnd type="triangle"/>
+            </a:ln>
+          </p:spPr>
+          <p:style>
+            <a:lnRef idx="1">
+              <a:schemeClr val="accent1"/>
+            </a:lnRef>
+            <a:fillRef idx="0">
+              <a:schemeClr val="accent1"/>
+            </a:fillRef>
+            <a:effectRef idx="0">
+              <a:schemeClr val="accent1"/>
+            </a:effectRef>
+            <a:fontRef idx="minor">
+              <a:schemeClr val="tx1"/>
+            </a:fontRef>
+          </p:style>
+        </p:cxnSp>
+        <p:cxnSp>
+          <p:nvCxnSpPr>
+            <p:cNvPr id="18" name="직선 화살표 연결선 17">
+              <a:extLst>
+                <a:ext uri="{FF2B5EF4-FFF2-40B4-BE49-F238E27FC236}">
+                  <a16:creationId xmlns:a16="http://schemas.microsoft.com/office/drawing/2014/main" id="{7365CC96-C165-45EF-9814-3513CD53168F}"/>
+                </a:ext>
+              </a:extLst>
+            </p:cNvPr>
+            <p:cNvCxnSpPr>
+              <a:cxnSpLocks/>
+              <a:stCxn id="6" idx="2"/>
+              <a:endCxn id="5" idx="0"/>
+            </p:cNvCxnSpPr>
+            <p:nvPr/>
+          </p:nvCxnSpPr>
+          <p:spPr>
+            <a:xfrm>
+              <a:off x="1715949" y="959841"/>
+              <a:ext cx="1" cy="1570750"/>
+            </a:xfrm>
+            <a:prstGeom prst="straightConnector1">
+              <a:avLst/>
+            </a:prstGeom>
+            <a:ln w="19050">
+              <a:solidFill>
+                <a:schemeClr val="accent2">
+                  <a:lumMod val="60000"/>
+                  <a:lumOff val="40000"/>
+                </a:schemeClr>
+              </a:solidFill>
+              <a:prstDash val="dash"/>
+              <a:headEnd type="triangle"/>
+              <a:tailEnd type="triangle"/>
+            </a:ln>
+          </p:spPr>
+          <p:style>
+            <a:lnRef idx="1">
+              <a:schemeClr val="accent1"/>
+            </a:lnRef>
+            <a:fillRef idx="0">
+              <a:schemeClr val="accent1"/>
+            </a:fillRef>
+            <a:effectRef idx="0">
+              <a:schemeClr val="accent1"/>
+            </a:effectRef>
+            <a:fontRef idx="minor">
+              <a:schemeClr val="tx1"/>
+            </a:fontRef>
+          </p:style>
+        </p:cxnSp>
+        <p:cxnSp>
+          <p:nvCxnSpPr>
+            <p:cNvPr id="20" name="직선 화살표 연결선 19">
+              <a:extLst>
+                <a:ext uri="{FF2B5EF4-FFF2-40B4-BE49-F238E27FC236}">
+                  <a16:creationId xmlns:a16="http://schemas.microsoft.com/office/drawing/2014/main" id="{5C4403BD-4C8F-436B-8F1A-55E33592175A}"/>
+                </a:ext>
+              </a:extLst>
+            </p:cNvPr>
+            <p:cNvCxnSpPr>
+              <a:cxnSpLocks/>
+              <a:stCxn id="6" idx="2"/>
+              <a:endCxn id="7" idx="0"/>
+            </p:cNvCxnSpPr>
+            <p:nvPr/>
+          </p:nvCxnSpPr>
+          <p:spPr>
+            <a:xfrm>
+              <a:off x="1715949" y="959841"/>
+              <a:ext cx="4000789" cy="2608125"/>
+            </a:xfrm>
+            <a:prstGeom prst="straightConnector1">
+              <a:avLst/>
+            </a:prstGeom>
+            <a:ln w="19050">
+              <a:solidFill>
+                <a:schemeClr val="accent2">
+                  <a:lumMod val="60000"/>
+                  <a:lumOff val="40000"/>
+                </a:schemeClr>
+              </a:solidFill>
+              <a:prstDash val="dash"/>
+              <a:headEnd type="triangle"/>
+              <a:tailEnd type="triangle"/>
+            </a:ln>
+          </p:spPr>
+          <p:style>
+            <a:lnRef idx="1">
+              <a:schemeClr val="accent1"/>
+            </a:lnRef>
+            <a:fillRef idx="0">
+              <a:schemeClr val="accent1"/>
+            </a:fillRef>
+            <a:effectRef idx="0">
+              <a:schemeClr val="accent1"/>
+            </a:effectRef>
+            <a:fontRef idx="minor">
+              <a:schemeClr val="tx1"/>
+            </a:fontRef>
+          </p:style>
+        </p:cxnSp>
+        <p:cxnSp>
+          <p:nvCxnSpPr>
+            <p:cNvPr id="22" name="직선 화살표 연결선 21">
+              <a:extLst>
+                <a:ext uri="{FF2B5EF4-FFF2-40B4-BE49-F238E27FC236}">
+                  <a16:creationId xmlns:a16="http://schemas.microsoft.com/office/drawing/2014/main" id="{B8B0EC99-B341-4969-9B8C-F63FC608E622}"/>
+                </a:ext>
+              </a:extLst>
+            </p:cNvPr>
+            <p:cNvCxnSpPr>
+              <a:cxnSpLocks/>
+              <a:stCxn id="6" idx="2"/>
+              <a:endCxn id="8" idx="0"/>
+            </p:cNvCxnSpPr>
+            <p:nvPr/>
+          </p:nvCxnSpPr>
+          <p:spPr>
+            <a:xfrm>
+              <a:off x="1715949" y="959841"/>
+              <a:ext cx="2462540" cy="2608125"/>
+            </a:xfrm>
+            <a:prstGeom prst="straightConnector1">
+              <a:avLst/>
+            </a:prstGeom>
+            <a:ln w="19050">
+              <a:solidFill>
+                <a:schemeClr val="accent2">
+                  <a:lumMod val="60000"/>
+                  <a:lumOff val="40000"/>
+                </a:schemeClr>
+              </a:solidFill>
+              <a:prstDash val="dash"/>
+              <a:headEnd type="triangle"/>
+              <a:tailEnd type="triangle"/>
+            </a:ln>
+          </p:spPr>
+          <p:style>
+            <a:lnRef idx="1">
+              <a:schemeClr val="accent1"/>
+            </a:lnRef>
+            <a:fillRef idx="0">
+              <a:schemeClr val="accent1"/>
+            </a:fillRef>
+            <a:effectRef idx="0">
+              <a:schemeClr val="accent1"/>
+            </a:effectRef>
+            <a:fontRef idx="minor">
+              <a:schemeClr val="tx1"/>
+            </a:fontRef>
+          </p:style>
+        </p:cxnSp>
+        <p:cxnSp>
+          <p:nvCxnSpPr>
+            <p:cNvPr id="24" name="직선 화살표 연결선 23">
+              <a:extLst>
+                <a:ext uri="{FF2B5EF4-FFF2-40B4-BE49-F238E27FC236}">
+                  <a16:creationId xmlns:a16="http://schemas.microsoft.com/office/drawing/2014/main" id="{A1F586F1-1911-4A5D-A4C3-6A22A2995560}"/>
+                </a:ext>
+              </a:extLst>
+            </p:cNvPr>
+            <p:cNvCxnSpPr>
+              <a:cxnSpLocks/>
+              <a:stCxn id="6" idx="2"/>
+              <a:endCxn id="10" idx="0"/>
+            </p:cNvCxnSpPr>
+            <p:nvPr/>
+          </p:nvCxnSpPr>
+          <p:spPr>
+            <a:xfrm>
+              <a:off x="1715949" y="959841"/>
+              <a:ext cx="5568523" cy="2608125"/>
+            </a:xfrm>
+            <a:prstGeom prst="straightConnector1">
+              <a:avLst/>
+            </a:prstGeom>
+            <a:ln w="19050">
+              <a:solidFill>
+                <a:schemeClr val="accent2">
+                  <a:lumMod val="60000"/>
+                  <a:lumOff val="40000"/>
+                </a:schemeClr>
+              </a:solidFill>
+              <a:prstDash val="dash"/>
+              <a:headEnd type="triangle"/>
+              <a:tailEnd type="triangle"/>
+            </a:ln>
+          </p:spPr>
+          <p:style>
+            <a:lnRef idx="1">
+              <a:schemeClr val="accent1"/>
+            </a:lnRef>
+            <a:fillRef idx="0">
+              <a:schemeClr val="accent1"/>
+            </a:fillRef>
+            <a:effectRef idx="0">
+              <a:schemeClr val="accent1"/>
+            </a:effectRef>
+            <a:fontRef idx="minor">
+              <a:schemeClr val="tx1"/>
+            </a:fontRef>
+          </p:style>
+        </p:cxnSp>
+        <p:cxnSp>
+          <p:nvCxnSpPr>
+            <p:cNvPr id="26" name="직선 화살표 연결선 25">
+              <a:extLst>
+                <a:ext uri="{FF2B5EF4-FFF2-40B4-BE49-F238E27FC236}">
+                  <a16:creationId xmlns:a16="http://schemas.microsoft.com/office/drawing/2014/main" id="{715B14B3-5B86-45BE-AF69-950C0C441D06}"/>
+                </a:ext>
+              </a:extLst>
+            </p:cNvPr>
+            <p:cNvCxnSpPr>
+              <a:cxnSpLocks/>
+              <a:stCxn id="6" idx="2"/>
+              <a:endCxn id="9" idx="0"/>
+            </p:cNvCxnSpPr>
+            <p:nvPr/>
+          </p:nvCxnSpPr>
+          <p:spPr>
+            <a:xfrm>
+              <a:off x="1715949" y="959841"/>
+              <a:ext cx="8703992" cy="2608125"/>
+            </a:xfrm>
+            <a:prstGeom prst="straightConnector1">
+              <a:avLst/>
+            </a:prstGeom>
+            <a:ln w="19050">
+              <a:solidFill>
+                <a:schemeClr val="accent2">
+                  <a:lumMod val="60000"/>
+                  <a:lumOff val="40000"/>
+                </a:schemeClr>
+              </a:solidFill>
+              <a:prstDash val="dash"/>
+              <a:headEnd type="triangle"/>
+              <a:tailEnd type="triangle"/>
+            </a:ln>
+          </p:spPr>
+          <p:style>
+            <a:lnRef idx="1">
+              <a:schemeClr val="accent1"/>
+            </a:lnRef>
+            <a:fillRef idx="0">
+              <a:schemeClr val="accent1"/>
+            </a:fillRef>
+            <a:effectRef idx="0">
+              <a:schemeClr val="accent1"/>
+            </a:effectRef>
+            <a:fontRef idx="minor">
+              <a:schemeClr val="tx1"/>
+            </a:fontRef>
+          </p:style>
+        </p:cxnSp>
+        <p:cxnSp>
+          <p:nvCxnSpPr>
+            <p:cNvPr id="28" name="직선 화살표 연결선 27">
+              <a:extLst>
+                <a:ext uri="{FF2B5EF4-FFF2-40B4-BE49-F238E27FC236}">
+                  <a16:creationId xmlns:a16="http://schemas.microsoft.com/office/drawing/2014/main" id="{CDFA9D57-441D-4B42-99D8-6E82C20BCDE7}"/>
+                </a:ext>
+              </a:extLst>
+            </p:cNvPr>
+            <p:cNvCxnSpPr>
+              <a:cxnSpLocks/>
+              <a:stCxn id="6" idx="2"/>
+              <a:endCxn id="11" idx="0"/>
+            </p:cNvCxnSpPr>
+            <p:nvPr/>
+          </p:nvCxnSpPr>
+          <p:spPr>
+            <a:xfrm>
+              <a:off x="1715949" y="959841"/>
+              <a:ext cx="7136257" cy="2608125"/>
+            </a:xfrm>
+            <a:prstGeom prst="straightConnector1">
+              <a:avLst/>
+            </a:prstGeom>
+            <a:ln w="19050">
+              <a:solidFill>
+                <a:schemeClr val="accent2">
+                  <a:lumMod val="60000"/>
+                  <a:lumOff val="40000"/>
+                </a:schemeClr>
+              </a:solidFill>
+              <a:prstDash val="dash"/>
+              <a:headEnd type="triangle"/>
+              <a:tailEnd type="triangle"/>
+            </a:ln>
+          </p:spPr>
+          <p:style>
+            <a:lnRef idx="1">
+              <a:schemeClr val="accent1"/>
+            </a:lnRef>
+            <a:fillRef idx="0">
+              <a:schemeClr val="accent1"/>
+            </a:fillRef>
+            <a:effectRef idx="0">
+              <a:schemeClr val="accent1"/>
+            </a:effectRef>
+            <a:fontRef idx="minor">
+              <a:schemeClr val="tx1"/>
+            </a:fontRef>
+          </p:style>
+        </p:cxnSp>
+        <p:sp>
+          <p:nvSpPr>
+            <p:cNvPr id="2" name="직사각형 1">
+              <a:extLst>
+                <a:ext uri="{FF2B5EF4-FFF2-40B4-BE49-F238E27FC236}">
+                  <a16:creationId xmlns:a16="http://schemas.microsoft.com/office/drawing/2014/main" id="{8E2B9217-4315-4F76-B1B4-BE53C33FB598}"/>
+                </a:ext>
+              </a:extLst>
+            </p:cNvPr>
+            <p:cNvSpPr/>
+            <p:nvPr/>
+          </p:nvSpPr>
+          <p:spPr>
+            <a:xfrm>
+              <a:off x="3487974" y="1493216"/>
+              <a:ext cx="7651967" cy="504000"/>
+            </a:xfrm>
+            <a:prstGeom prst="rect">
+              <a:avLst/>
+            </a:prstGeom>
+            <a:solidFill>
+              <a:schemeClr val="bg1"/>
+            </a:solidFill>
+            <a:ln w="28575">
+              <a:solidFill>
+                <a:schemeClr val="accent2"/>
+              </a:solidFill>
+            </a:ln>
+          </p:spPr>
+          <p:style>
+            <a:lnRef idx="2">
+              <a:schemeClr val="accent1">
+                <a:shade val="50000"/>
+              </a:schemeClr>
+            </a:lnRef>
+            <a:fillRef idx="1">
+              <a:schemeClr val="accent1"/>
+            </a:fillRef>
+            <a:effectRef idx="0">
+              <a:schemeClr val="accent1"/>
+            </a:effectRef>
+            <a:fontRef idx="minor">
+              <a:schemeClr val="lt1"/>
+            </a:fontRef>
+          </p:style>
+          <p:txBody>
+            <a:bodyPr rtlCol="0" anchor="ctr"/>
+            <a:lstStyle/>
+            <a:p>
+              <a:pPr algn="ctr"/>
+              <a:r>
+                <a:rPr lang="en-US" altLang="ko-KR" b="1" dirty="0">
+                  <a:solidFill>
+                    <a:schemeClr val="accent2"/>
+                  </a:solidFill>
+                </a:rPr>
+                <a:t>web-client</a:t>
+              </a:r>
+              <a:endParaRPr lang="ko-KR" altLang="en-US" b="1" dirty="0">
+                <a:solidFill>
+                  <a:schemeClr val="accent2"/>
+                </a:solidFill>
+              </a:endParaRPr>
+            </a:p>
+          </p:txBody>
+        </p:sp>
+        <p:sp>
+          <p:nvSpPr>
+            <p:cNvPr id="3" name="직사각형 2">
+              <a:extLst>
+                <a:ext uri="{FF2B5EF4-FFF2-40B4-BE49-F238E27FC236}">
+                  <a16:creationId xmlns:a16="http://schemas.microsoft.com/office/drawing/2014/main" id="{E2322931-F8BC-4253-94E8-21574A96BDCD}"/>
+                </a:ext>
+              </a:extLst>
+            </p:cNvPr>
+            <p:cNvSpPr/>
+            <p:nvPr/>
+          </p:nvSpPr>
+          <p:spPr>
+            <a:xfrm>
+              <a:off x="3487974" y="455841"/>
+              <a:ext cx="2448000" cy="504000"/>
+            </a:xfrm>
+            <a:prstGeom prst="rect">
+              <a:avLst/>
+            </a:prstGeom>
+            <a:solidFill>
+              <a:schemeClr val="bg1"/>
+            </a:solidFill>
+            <a:ln w="28575">
+              <a:solidFill>
+                <a:schemeClr val="accent2"/>
+              </a:solidFill>
+            </a:ln>
+          </p:spPr>
+          <p:style>
+            <a:lnRef idx="2">
+              <a:schemeClr val="accent1">
+                <a:shade val="50000"/>
+              </a:schemeClr>
+            </a:lnRef>
+            <a:fillRef idx="1">
+              <a:schemeClr val="accent1"/>
+            </a:fillRef>
+            <a:effectRef idx="0">
+              <a:schemeClr val="accent1"/>
+            </a:effectRef>
+            <a:fontRef idx="minor">
+              <a:schemeClr val="lt1"/>
+            </a:fontRef>
+          </p:style>
+          <p:txBody>
+            <a:bodyPr rtlCol="0" anchor="ctr"/>
+            <a:lstStyle/>
+            <a:p>
+              <a:pPr algn="ctr"/>
+              <a:r>
+                <a:rPr lang="en-US" altLang="ko-KR" b="1" dirty="0">
+                  <a:solidFill>
+                    <a:schemeClr val="accent2"/>
+                  </a:solidFill>
+                </a:rPr>
+                <a:t>Client browser</a:t>
+              </a:r>
+              <a:endParaRPr lang="ko-KR" altLang="en-US" b="1" dirty="0">
+                <a:solidFill>
+                  <a:schemeClr val="accent2"/>
+                </a:solidFill>
+              </a:endParaRPr>
+            </a:p>
+          </p:txBody>
+        </p:sp>
+        <p:sp>
+          <p:nvSpPr>
+            <p:cNvPr id="4" name="직사각형 3">
+              <a:extLst>
+                <a:ext uri="{FF2B5EF4-FFF2-40B4-BE49-F238E27FC236}">
+                  <a16:creationId xmlns:a16="http://schemas.microsoft.com/office/drawing/2014/main" id="{38873FC9-AB7D-4314-B65D-88FC2878641D}"/>
+                </a:ext>
+              </a:extLst>
+            </p:cNvPr>
+            <p:cNvSpPr/>
+            <p:nvPr/>
+          </p:nvSpPr>
+          <p:spPr>
+            <a:xfrm>
+              <a:off x="3487974" y="2530591"/>
+              <a:ext cx="7651967" cy="504000"/>
+            </a:xfrm>
+            <a:prstGeom prst="rect">
+              <a:avLst/>
+            </a:prstGeom>
+            <a:solidFill>
+              <a:schemeClr val="bg1"/>
+            </a:solidFill>
+            <a:ln w="28575">
+              <a:solidFill>
+                <a:schemeClr val="accent2"/>
+              </a:solidFill>
+            </a:ln>
+          </p:spPr>
+          <p:style>
+            <a:lnRef idx="2">
+              <a:schemeClr val="accent1">
+                <a:shade val="50000"/>
+              </a:schemeClr>
+            </a:lnRef>
+            <a:fillRef idx="1">
+              <a:schemeClr val="accent1"/>
+            </a:fillRef>
+            <a:effectRef idx="0">
+              <a:schemeClr val="accent1"/>
+            </a:effectRef>
+            <a:fontRef idx="minor">
+              <a:schemeClr val="lt1"/>
+            </a:fontRef>
+          </p:style>
+          <p:txBody>
+            <a:bodyPr rtlCol="0" anchor="ctr"/>
+            <a:lstStyle/>
+            <a:p>
+              <a:pPr algn="ctr"/>
+              <a:r>
+                <a:rPr lang="en-US" altLang="ko-KR" b="1" dirty="0">
+                  <a:solidFill>
+                    <a:schemeClr val="accent2"/>
+                  </a:solidFill>
+                </a:rPr>
+                <a:t>API Gateway</a:t>
+              </a:r>
+              <a:endParaRPr lang="ko-KR" altLang="en-US" b="1" dirty="0">
+                <a:solidFill>
+                  <a:schemeClr val="accent2"/>
+                </a:solidFill>
+              </a:endParaRPr>
+            </a:p>
+          </p:txBody>
+        </p:sp>
+        <p:sp>
+          <p:nvSpPr>
+            <p:cNvPr id="5" name="직사각형 4">
+              <a:extLst>
+                <a:ext uri="{FF2B5EF4-FFF2-40B4-BE49-F238E27FC236}">
+                  <a16:creationId xmlns:a16="http://schemas.microsoft.com/office/drawing/2014/main" id="{E69B8A2A-DA38-4ECD-8F40-C8C1210D34F7}"/>
+                </a:ext>
+              </a:extLst>
+            </p:cNvPr>
+            <p:cNvSpPr/>
+            <p:nvPr/>
+          </p:nvSpPr>
+          <p:spPr>
+            <a:xfrm>
+              <a:off x="457873" y="2530591"/>
+              <a:ext cx="2516153" cy="504000"/>
+            </a:xfrm>
+            <a:prstGeom prst="rect">
+              <a:avLst/>
+            </a:prstGeom>
+            <a:solidFill>
+              <a:schemeClr val="bg1"/>
+            </a:solidFill>
+            <a:ln w="28575">
+              <a:solidFill>
+                <a:schemeClr val="accent2"/>
+              </a:solidFill>
+            </a:ln>
+          </p:spPr>
+          <p:style>
+            <a:lnRef idx="2">
+              <a:schemeClr val="accent1">
+                <a:shade val="50000"/>
+              </a:schemeClr>
+            </a:lnRef>
+            <a:fillRef idx="1">
+              <a:schemeClr val="accent1"/>
+            </a:fillRef>
+            <a:effectRef idx="0">
+              <a:schemeClr val="accent1"/>
+            </a:effectRef>
+            <a:fontRef idx="minor">
+              <a:schemeClr val="lt1"/>
+            </a:fontRef>
+          </p:style>
+          <p:txBody>
+            <a:bodyPr rtlCol="0" anchor="ctr"/>
+            <a:lstStyle/>
+            <a:p>
+              <a:pPr algn="ctr"/>
+              <a:r>
+                <a:rPr lang="en-US" altLang="ko-KR" b="1" dirty="0" err="1">
+                  <a:solidFill>
+                    <a:schemeClr val="accent2"/>
+                  </a:solidFill>
+                </a:rPr>
+                <a:t>oauth</a:t>
+              </a:r>
+              <a:endParaRPr lang="ko-KR" altLang="en-US" b="1" dirty="0">
+                <a:solidFill>
+                  <a:schemeClr val="accent2"/>
+                </a:solidFill>
+              </a:endParaRPr>
+            </a:p>
+          </p:txBody>
+        </p:sp>
+        <p:sp>
+          <p:nvSpPr>
+            <p:cNvPr id="6" name="직사각형 5">
+              <a:extLst>
+                <a:ext uri="{FF2B5EF4-FFF2-40B4-BE49-F238E27FC236}">
+                  <a16:creationId xmlns:a16="http://schemas.microsoft.com/office/drawing/2014/main" id="{F651B9A0-C78C-4AC0-9D10-780984BF7765}"/>
+                </a:ext>
+              </a:extLst>
+            </p:cNvPr>
+            <p:cNvSpPr/>
+            <p:nvPr/>
+          </p:nvSpPr>
+          <p:spPr>
+            <a:xfrm>
+              <a:off x="457873" y="455841"/>
+              <a:ext cx="2516152" cy="504000"/>
+            </a:xfrm>
+            <a:prstGeom prst="rect">
+              <a:avLst/>
+            </a:prstGeom>
+            <a:solidFill>
+              <a:schemeClr val="bg1"/>
+            </a:solidFill>
+            <a:ln w="28575">
+              <a:solidFill>
+                <a:schemeClr val="accent2"/>
+              </a:solidFill>
+            </a:ln>
+          </p:spPr>
+          <p:style>
+            <a:lnRef idx="2">
+              <a:schemeClr val="accent1">
+                <a:shade val="50000"/>
+              </a:schemeClr>
+            </a:lnRef>
+            <a:fillRef idx="1">
+              <a:schemeClr val="accent1"/>
+            </a:fillRef>
+            <a:effectRef idx="0">
+              <a:schemeClr val="accent1"/>
+            </a:effectRef>
+            <a:fontRef idx="minor">
+              <a:schemeClr val="lt1"/>
+            </a:fontRef>
+          </p:style>
+          <p:txBody>
+            <a:bodyPr rtlCol="0" anchor="ctr"/>
+            <a:lstStyle/>
+            <a:p>
+              <a:pPr algn="ctr"/>
+              <a:r>
+                <a:rPr lang="en-US" altLang="ko-KR" b="1" dirty="0">
+                  <a:solidFill>
+                    <a:schemeClr val="accent2"/>
+                  </a:solidFill>
+                </a:rPr>
+                <a:t>config</a:t>
+              </a:r>
+              <a:endParaRPr lang="ko-KR" altLang="en-US" b="1" dirty="0">
+                <a:solidFill>
+                  <a:schemeClr val="accent2"/>
+                </a:solidFill>
+              </a:endParaRPr>
+            </a:p>
+          </p:txBody>
+        </p:sp>
+        <p:sp>
+          <p:nvSpPr>
+            <p:cNvPr id="7" name="직사각형 6">
+              <a:extLst>
+                <a:ext uri="{FF2B5EF4-FFF2-40B4-BE49-F238E27FC236}">
+                  <a16:creationId xmlns:a16="http://schemas.microsoft.com/office/drawing/2014/main" id="{C6BD2A83-2BCC-4879-9F40-819AF6DDCCA0}"/>
+                </a:ext>
+              </a:extLst>
+            </p:cNvPr>
+            <p:cNvSpPr/>
+            <p:nvPr/>
+          </p:nvSpPr>
+          <p:spPr>
+            <a:xfrm>
+              <a:off x="4996738" y="3567966"/>
+              <a:ext cx="1440000" cy="504000"/>
+            </a:xfrm>
+            <a:prstGeom prst="rect">
+              <a:avLst/>
+            </a:prstGeom>
+            <a:solidFill>
+              <a:schemeClr val="bg1"/>
+            </a:solidFill>
+            <a:ln w="28575">
+              <a:solidFill>
+                <a:schemeClr val="accent2"/>
+              </a:solidFill>
+            </a:ln>
+          </p:spPr>
+          <p:style>
+            <a:lnRef idx="2">
+              <a:schemeClr val="accent1">
+                <a:shade val="50000"/>
+              </a:schemeClr>
+            </a:lnRef>
+            <a:fillRef idx="1">
+              <a:schemeClr val="accent1"/>
+            </a:fillRef>
+            <a:effectRef idx="0">
+              <a:schemeClr val="accent1"/>
+            </a:effectRef>
+            <a:fontRef idx="minor">
+              <a:schemeClr val="lt1"/>
+            </a:fontRef>
+          </p:style>
+          <p:txBody>
+            <a:bodyPr rtlCol="0" anchor="ctr"/>
+            <a:lstStyle/>
+            <a:p>
+              <a:pPr algn="ctr"/>
+              <a:r>
+                <a:rPr lang="en-US" altLang="ko-KR" b="1" dirty="0">
+                  <a:solidFill>
+                    <a:schemeClr val="accent2"/>
+                  </a:solidFill>
+                </a:rPr>
+                <a:t>user</a:t>
+              </a:r>
+              <a:endParaRPr lang="ko-KR" altLang="en-US" b="1" dirty="0">
+                <a:solidFill>
+                  <a:schemeClr val="accent2"/>
+                </a:solidFill>
+              </a:endParaRPr>
+            </a:p>
+          </p:txBody>
+        </p:sp>
+        <p:sp>
+          <p:nvSpPr>
+            <p:cNvPr id="8" name="직사각형 7">
+              <a:extLst>
+                <a:ext uri="{FF2B5EF4-FFF2-40B4-BE49-F238E27FC236}">
+                  <a16:creationId xmlns:a16="http://schemas.microsoft.com/office/drawing/2014/main" id="{20C94688-D72F-46A8-8550-8BAFB8FD8D6F}"/>
+                </a:ext>
+              </a:extLst>
+            </p:cNvPr>
+            <p:cNvSpPr/>
+            <p:nvPr/>
+          </p:nvSpPr>
+          <p:spPr>
+            <a:xfrm>
+              <a:off x="3487974" y="3567966"/>
+              <a:ext cx="1381030" cy="504000"/>
+            </a:xfrm>
+            <a:prstGeom prst="rect">
+              <a:avLst/>
+            </a:prstGeom>
+            <a:solidFill>
+              <a:schemeClr val="bg1"/>
+            </a:solidFill>
+            <a:ln w="28575">
+              <a:solidFill>
+                <a:schemeClr val="accent2"/>
+              </a:solidFill>
+            </a:ln>
+          </p:spPr>
+          <p:style>
+            <a:lnRef idx="2">
+              <a:schemeClr val="accent1">
+                <a:shade val="50000"/>
+              </a:schemeClr>
+            </a:lnRef>
+            <a:fillRef idx="1">
+              <a:schemeClr val="accent1"/>
+            </a:fillRef>
+            <a:effectRef idx="0">
+              <a:schemeClr val="accent1"/>
+            </a:effectRef>
+            <a:fontRef idx="minor">
+              <a:schemeClr val="lt1"/>
+            </a:fontRef>
+          </p:style>
+          <p:txBody>
+            <a:bodyPr rtlCol="0" anchor="ctr"/>
+            <a:lstStyle/>
+            <a:p>
+              <a:pPr algn="ctr"/>
+              <a:r>
+                <a:rPr lang="en-US" altLang="ko-KR" b="1" dirty="0">
+                  <a:solidFill>
+                    <a:schemeClr val="accent2"/>
+                  </a:solidFill>
+                </a:rPr>
+                <a:t>search</a:t>
+              </a:r>
+              <a:endParaRPr lang="ko-KR" altLang="en-US" b="1" dirty="0">
+                <a:solidFill>
+                  <a:schemeClr val="accent2"/>
+                </a:solidFill>
+              </a:endParaRPr>
+            </a:p>
+          </p:txBody>
+        </p:sp>
+        <p:sp>
+          <p:nvSpPr>
+            <p:cNvPr id="9" name="직사각형 8">
+              <a:extLst>
+                <a:ext uri="{FF2B5EF4-FFF2-40B4-BE49-F238E27FC236}">
+                  <a16:creationId xmlns:a16="http://schemas.microsoft.com/office/drawing/2014/main" id="{61480192-4835-4CA2-BA16-020EE87D46D8}"/>
+                </a:ext>
+              </a:extLst>
+            </p:cNvPr>
+            <p:cNvSpPr/>
+            <p:nvPr/>
+          </p:nvSpPr>
+          <p:spPr>
+            <a:xfrm>
+              <a:off x="9699941" y="3567966"/>
+              <a:ext cx="1440000" cy="504000"/>
+            </a:xfrm>
+            <a:prstGeom prst="rect">
+              <a:avLst/>
+            </a:prstGeom>
+            <a:solidFill>
+              <a:schemeClr val="bg1"/>
+            </a:solidFill>
+            <a:ln w="28575">
+              <a:solidFill>
+                <a:schemeClr val="accent2"/>
+              </a:solidFill>
+            </a:ln>
+          </p:spPr>
+          <p:style>
+            <a:lnRef idx="2">
+              <a:schemeClr val="accent1">
+                <a:shade val="50000"/>
+              </a:schemeClr>
+            </a:lnRef>
+            <a:fillRef idx="1">
+              <a:schemeClr val="accent1"/>
+            </a:fillRef>
+            <a:effectRef idx="0">
+              <a:schemeClr val="accent1"/>
+            </a:effectRef>
+            <a:fontRef idx="minor">
+              <a:schemeClr val="lt1"/>
+            </a:fontRef>
+          </p:style>
+          <p:txBody>
+            <a:bodyPr rtlCol="0" anchor="ctr"/>
+            <a:lstStyle/>
+            <a:p>
+              <a:pPr algn="ctr"/>
+              <a:r>
+                <a:rPr lang="en-US" altLang="ko-KR" b="1" dirty="0">
+                  <a:solidFill>
+                    <a:schemeClr val="accent2"/>
+                  </a:solidFill>
+                </a:rPr>
+                <a:t>post</a:t>
+              </a:r>
+              <a:endParaRPr lang="ko-KR" altLang="en-US" b="1" dirty="0">
+                <a:solidFill>
+                  <a:schemeClr val="accent2"/>
+                </a:solidFill>
+              </a:endParaRPr>
+            </a:p>
+          </p:txBody>
+        </p:sp>
+        <p:sp>
+          <p:nvSpPr>
+            <p:cNvPr id="10" name="직사각형 9">
+              <a:extLst>
+                <a:ext uri="{FF2B5EF4-FFF2-40B4-BE49-F238E27FC236}">
+                  <a16:creationId xmlns:a16="http://schemas.microsoft.com/office/drawing/2014/main" id="{211B77CE-A7F3-4168-9A90-5903CD99C66E}"/>
+                </a:ext>
+              </a:extLst>
+            </p:cNvPr>
+            <p:cNvSpPr/>
+            <p:nvPr/>
+          </p:nvSpPr>
+          <p:spPr>
+            <a:xfrm>
+              <a:off x="6564472" y="3567966"/>
+              <a:ext cx="1440000" cy="504000"/>
+            </a:xfrm>
+            <a:prstGeom prst="rect">
+              <a:avLst/>
+            </a:prstGeom>
+            <a:solidFill>
+              <a:schemeClr val="bg1"/>
+            </a:solidFill>
+            <a:ln w="28575">
+              <a:solidFill>
+                <a:schemeClr val="accent2"/>
+              </a:solidFill>
+            </a:ln>
+          </p:spPr>
+          <p:style>
+            <a:lnRef idx="2">
+              <a:schemeClr val="accent1">
+                <a:shade val="50000"/>
+              </a:schemeClr>
+            </a:lnRef>
+            <a:fillRef idx="1">
+              <a:schemeClr val="accent1"/>
+            </a:fillRef>
+            <a:effectRef idx="0">
+              <a:schemeClr val="accent1"/>
+            </a:effectRef>
+            <a:fontRef idx="minor">
+              <a:schemeClr val="lt1"/>
+            </a:fontRef>
+          </p:style>
+          <p:txBody>
+            <a:bodyPr rtlCol="0" anchor="ctr"/>
+            <a:lstStyle/>
+            <a:p>
+              <a:pPr algn="ctr"/>
+              <a:r>
+                <a:rPr lang="en-US" altLang="ko-KR" b="1" dirty="0">
+                  <a:solidFill>
+                    <a:schemeClr val="accent2"/>
+                  </a:solidFill>
+                </a:rPr>
+                <a:t>contact</a:t>
+              </a:r>
+              <a:endParaRPr lang="ko-KR" altLang="en-US" b="1" dirty="0">
+                <a:solidFill>
+                  <a:schemeClr val="accent2"/>
+                </a:solidFill>
+              </a:endParaRPr>
+            </a:p>
+          </p:txBody>
+        </p:sp>
+        <p:sp>
+          <p:nvSpPr>
+            <p:cNvPr id="11" name="직사각형 10">
+              <a:extLst>
+                <a:ext uri="{FF2B5EF4-FFF2-40B4-BE49-F238E27FC236}">
+                  <a16:creationId xmlns:a16="http://schemas.microsoft.com/office/drawing/2014/main" id="{7D86D083-958F-4338-A7C1-6439A70F25D4}"/>
+                </a:ext>
+              </a:extLst>
+            </p:cNvPr>
+            <p:cNvSpPr/>
+            <p:nvPr/>
+          </p:nvSpPr>
+          <p:spPr>
+            <a:xfrm>
+              <a:off x="8132206" y="3567966"/>
+              <a:ext cx="1440000" cy="504000"/>
+            </a:xfrm>
+            <a:prstGeom prst="rect">
+              <a:avLst/>
+            </a:prstGeom>
+            <a:solidFill>
+              <a:schemeClr val="bg1"/>
+            </a:solidFill>
+            <a:ln w="28575">
+              <a:solidFill>
+                <a:schemeClr val="accent2"/>
+              </a:solidFill>
+            </a:ln>
+          </p:spPr>
+          <p:style>
+            <a:lnRef idx="2">
+              <a:schemeClr val="accent1">
+                <a:shade val="50000"/>
+              </a:schemeClr>
+            </a:lnRef>
+            <a:fillRef idx="1">
+              <a:schemeClr val="accent1"/>
+            </a:fillRef>
+            <a:effectRef idx="0">
+              <a:schemeClr val="accent1"/>
+            </a:effectRef>
+            <a:fontRef idx="minor">
+              <a:schemeClr val="lt1"/>
+            </a:fontRef>
+          </p:style>
+          <p:txBody>
+            <a:bodyPr rtlCol="0" anchor="ctr"/>
+            <a:lstStyle/>
+            <a:p>
+              <a:pPr algn="ctr"/>
+              <a:r>
+                <a:rPr lang="en-US" altLang="ko-KR" b="1" dirty="0">
+                  <a:solidFill>
+                    <a:schemeClr val="accent2"/>
+                  </a:solidFill>
+                </a:rPr>
+                <a:t>common</a:t>
+              </a:r>
+              <a:endParaRPr lang="ko-KR" altLang="en-US" b="1" dirty="0">
+                <a:solidFill>
+                  <a:schemeClr val="accent2"/>
+                </a:solidFill>
+              </a:endParaRPr>
+            </a:p>
+          </p:txBody>
+        </p:sp>
+        <p:sp>
+          <p:nvSpPr>
+            <p:cNvPr id="12" name="직사각형 11">
+              <a:extLst>
+                <a:ext uri="{FF2B5EF4-FFF2-40B4-BE49-F238E27FC236}">
+                  <a16:creationId xmlns:a16="http://schemas.microsoft.com/office/drawing/2014/main" id="{C7ABFFD1-883D-4656-B729-5C8EC8904E58}"/>
+                </a:ext>
+              </a:extLst>
+            </p:cNvPr>
+            <p:cNvSpPr/>
+            <p:nvPr/>
+          </p:nvSpPr>
+          <p:spPr>
+            <a:xfrm>
+              <a:off x="457873" y="4605340"/>
+              <a:ext cx="10682066" cy="504000"/>
+            </a:xfrm>
+            <a:prstGeom prst="rect">
+              <a:avLst/>
+            </a:prstGeom>
+            <a:solidFill>
+              <a:schemeClr val="accent2"/>
+            </a:solidFill>
+            <a:ln w="28575">
+              <a:solidFill>
+                <a:schemeClr val="accent2"/>
+              </a:solidFill>
+            </a:ln>
+          </p:spPr>
+          <p:style>
+            <a:lnRef idx="2">
+              <a:schemeClr val="accent1">
+                <a:shade val="50000"/>
+              </a:schemeClr>
+            </a:lnRef>
+            <a:fillRef idx="1">
+              <a:schemeClr val="accent1"/>
+            </a:fillRef>
+            <a:effectRef idx="0">
+              <a:schemeClr val="accent1"/>
+            </a:effectRef>
+            <a:fontRef idx="minor">
+              <a:schemeClr val="lt1"/>
+            </a:fontRef>
+          </p:style>
+          <p:txBody>
+            <a:bodyPr rtlCol="0" anchor="ctr"/>
+            <a:lstStyle/>
+            <a:p>
+              <a:pPr algn="ctr"/>
+              <a:r>
+                <a:rPr lang="en-US" altLang="ko-KR" b="1" dirty="0">
+                  <a:solidFill>
+                    <a:schemeClr val="bg1"/>
+                  </a:solidFill>
+                </a:rPr>
+                <a:t>Oracle DB</a:t>
+              </a:r>
+              <a:endParaRPr lang="ko-KR" altLang="en-US" b="1" dirty="0">
+                <a:solidFill>
+                  <a:schemeClr val="bg1"/>
+                </a:solidFill>
+              </a:endParaRPr>
+            </a:p>
+          </p:txBody>
+        </p:sp>
+        <p:sp>
+          <p:nvSpPr>
+            <p:cNvPr id="105" name="직사각형 104">
+              <a:extLst>
+                <a:ext uri="{FF2B5EF4-FFF2-40B4-BE49-F238E27FC236}">
+                  <a16:creationId xmlns:a16="http://schemas.microsoft.com/office/drawing/2014/main" id="{043AB973-4450-4525-AFE3-C4D8DC09BC29}"/>
+                </a:ext>
+              </a:extLst>
+            </p:cNvPr>
+            <p:cNvSpPr/>
+            <p:nvPr/>
+          </p:nvSpPr>
+          <p:spPr>
+            <a:xfrm>
+              <a:off x="6089957" y="455841"/>
+              <a:ext cx="2448000" cy="504000"/>
+            </a:xfrm>
+            <a:prstGeom prst="rect">
+              <a:avLst/>
+            </a:prstGeom>
+            <a:solidFill>
+              <a:schemeClr val="accent2"/>
+            </a:solidFill>
+            <a:ln w="28575">
+              <a:solidFill>
+                <a:schemeClr val="accent2"/>
+              </a:solidFill>
+            </a:ln>
+          </p:spPr>
+          <p:style>
+            <a:lnRef idx="2">
+              <a:schemeClr val="accent1">
+                <a:shade val="50000"/>
+              </a:schemeClr>
+            </a:lnRef>
+            <a:fillRef idx="1">
+              <a:schemeClr val="accent1"/>
+            </a:fillRef>
+            <a:effectRef idx="0">
+              <a:schemeClr val="accent1"/>
+            </a:effectRef>
+            <a:fontRef idx="minor">
+              <a:schemeClr val="lt1"/>
+            </a:fontRef>
+          </p:style>
+          <p:txBody>
+            <a:bodyPr rtlCol="0" anchor="ctr"/>
+            <a:lstStyle/>
+            <a:p>
+              <a:pPr algn="ctr"/>
+              <a:r>
+                <a:rPr lang="en-US" altLang="ko-KR" b="1" dirty="0">
+                  <a:solidFill>
+                    <a:schemeClr val="bg1"/>
+                  </a:solidFill>
+                </a:rPr>
+                <a:t>Client browser</a:t>
+              </a:r>
+              <a:endParaRPr lang="ko-KR" altLang="en-US" b="1" dirty="0">
+                <a:solidFill>
+                  <a:schemeClr val="bg1"/>
+                </a:solidFill>
+              </a:endParaRPr>
+            </a:p>
+          </p:txBody>
+        </p:sp>
+        <p:sp>
+          <p:nvSpPr>
+            <p:cNvPr id="106" name="직사각형 105">
+              <a:extLst>
+                <a:ext uri="{FF2B5EF4-FFF2-40B4-BE49-F238E27FC236}">
+                  <a16:creationId xmlns:a16="http://schemas.microsoft.com/office/drawing/2014/main" id="{6AAF7245-5E52-490C-A49E-FF82E580868D}"/>
+                </a:ext>
+              </a:extLst>
+            </p:cNvPr>
+            <p:cNvSpPr/>
+            <p:nvPr/>
+          </p:nvSpPr>
+          <p:spPr>
+            <a:xfrm>
+              <a:off x="8691941" y="455841"/>
+              <a:ext cx="2448000" cy="504000"/>
+            </a:xfrm>
+            <a:prstGeom prst="rect">
+              <a:avLst/>
+            </a:prstGeom>
+            <a:solidFill>
+              <a:schemeClr val="accent2"/>
+            </a:solidFill>
+            <a:ln w="28575">
+              <a:solidFill>
+                <a:schemeClr val="accent2"/>
+              </a:solidFill>
+            </a:ln>
+          </p:spPr>
+          <p:style>
+            <a:lnRef idx="2">
+              <a:schemeClr val="accent1">
+                <a:shade val="50000"/>
+              </a:schemeClr>
+            </a:lnRef>
+            <a:fillRef idx="1">
+              <a:schemeClr val="accent1"/>
+            </a:fillRef>
+            <a:effectRef idx="0">
+              <a:schemeClr val="accent1"/>
+            </a:effectRef>
+            <a:fontRef idx="minor">
+              <a:schemeClr val="lt1"/>
+            </a:fontRef>
+          </p:style>
+          <p:txBody>
+            <a:bodyPr rtlCol="0" anchor="ctr"/>
+            <a:lstStyle/>
+            <a:p>
+              <a:pPr algn="ctr"/>
+              <a:r>
+                <a:rPr lang="en-US" altLang="ko-KR" b="1" dirty="0">
+                  <a:solidFill>
+                    <a:schemeClr val="bg1"/>
+                  </a:solidFill>
+                </a:rPr>
+                <a:t>Client browser</a:t>
+              </a:r>
+              <a:endParaRPr lang="ko-KR" altLang="en-US" b="1" dirty="0">
+                <a:solidFill>
+                  <a:schemeClr val="bg1"/>
+                </a:solidFill>
+              </a:endParaRPr>
+            </a:p>
+          </p:txBody>
+        </p:sp>
+        <p:cxnSp>
+          <p:nvCxnSpPr>
+            <p:cNvPr id="122" name="연결선: 꺾임 121">
+              <a:extLst>
+                <a:ext uri="{FF2B5EF4-FFF2-40B4-BE49-F238E27FC236}">
+                  <a16:creationId xmlns:a16="http://schemas.microsoft.com/office/drawing/2014/main" id="{90911F3D-8A0D-407F-81EF-62616BC06762}"/>
+                </a:ext>
+              </a:extLst>
+            </p:cNvPr>
+            <p:cNvCxnSpPr>
+              <a:stCxn id="5" idx="2"/>
+              <a:endCxn id="8" idx="0"/>
+            </p:cNvCxnSpPr>
+            <p:nvPr/>
+          </p:nvCxnSpPr>
+          <p:spPr>
+            <a:xfrm rot="16200000" flipH="1">
+              <a:off x="2680532" y="2070008"/>
+              <a:ext cx="533375" cy="2462539"/>
+            </a:xfrm>
+            <a:prstGeom prst="bentConnector3">
+              <a:avLst/>
+            </a:prstGeom>
+            <a:ln w="19050">
+              <a:solidFill>
+                <a:schemeClr val="accent2"/>
+              </a:solidFill>
+              <a:headEnd type="triangle"/>
+              <a:tailEnd type="triangle"/>
+            </a:ln>
+          </p:spPr>
+          <p:style>
+            <a:lnRef idx="1">
+              <a:schemeClr val="accent1"/>
+            </a:lnRef>
+            <a:fillRef idx="0">
+              <a:schemeClr val="accent1"/>
+            </a:fillRef>
+            <a:effectRef idx="0">
+              <a:schemeClr val="accent1"/>
+            </a:effectRef>
+            <a:fontRef idx="minor">
+              <a:schemeClr val="tx1"/>
+            </a:fontRef>
+          </p:style>
+        </p:cxnSp>
+        <p:cxnSp>
+          <p:nvCxnSpPr>
+            <p:cNvPr id="124" name="연결선: 꺾임 123">
+              <a:extLst>
+                <a:ext uri="{FF2B5EF4-FFF2-40B4-BE49-F238E27FC236}">
+                  <a16:creationId xmlns:a16="http://schemas.microsoft.com/office/drawing/2014/main" id="{24953AD0-DDCD-45AC-84A8-7E1B2EB249CF}"/>
+                </a:ext>
+              </a:extLst>
+            </p:cNvPr>
+            <p:cNvCxnSpPr>
+              <a:stCxn id="5" idx="2"/>
+              <a:endCxn id="7" idx="0"/>
+            </p:cNvCxnSpPr>
+            <p:nvPr/>
+          </p:nvCxnSpPr>
+          <p:spPr>
+            <a:xfrm rot="16200000" flipH="1">
+              <a:off x="3449657" y="1300884"/>
+              <a:ext cx="533375" cy="4000788"/>
+            </a:xfrm>
+            <a:prstGeom prst="bentConnector3">
+              <a:avLst/>
+            </a:prstGeom>
+            <a:ln w="19050">
+              <a:solidFill>
+                <a:schemeClr val="accent2"/>
+              </a:solidFill>
+              <a:headEnd type="triangle"/>
+              <a:tailEnd type="triangle"/>
+            </a:ln>
+          </p:spPr>
+          <p:style>
+            <a:lnRef idx="1">
+              <a:schemeClr val="accent1"/>
+            </a:lnRef>
+            <a:fillRef idx="0">
+              <a:schemeClr val="accent1"/>
+            </a:fillRef>
+            <a:effectRef idx="0">
+              <a:schemeClr val="accent1"/>
+            </a:effectRef>
+            <a:fontRef idx="minor">
+              <a:schemeClr val="tx1"/>
+            </a:fontRef>
+          </p:style>
+        </p:cxnSp>
+        <p:cxnSp>
+          <p:nvCxnSpPr>
+            <p:cNvPr id="126" name="연결선: 꺾임 125">
+              <a:extLst>
+                <a:ext uri="{FF2B5EF4-FFF2-40B4-BE49-F238E27FC236}">
+                  <a16:creationId xmlns:a16="http://schemas.microsoft.com/office/drawing/2014/main" id="{2AFDD381-3ACC-4118-BC82-339E5CFB4AA2}"/>
+                </a:ext>
+              </a:extLst>
+            </p:cNvPr>
+            <p:cNvCxnSpPr>
+              <a:stCxn id="5" idx="2"/>
+              <a:endCxn id="10" idx="0"/>
+            </p:cNvCxnSpPr>
+            <p:nvPr/>
+          </p:nvCxnSpPr>
+          <p:spPr>
+            <a:xfrm rot="16200000" flipH="1">
+              <a:off x="4233524" y="517017"/>
+              <a:ext cx="533375" cy="5568522"/>
+            </a:xfrm>
+            <a:prstGeom prst="bentConnector3">
+              <a:avLst/>
+            </a:prstGeom>
+            <a:ln w="19050">
+              <a:solidFill>
+                <a:schemeClr val="accent2"/>
+              </a:solidFill>
+              <a:headEnd type="triangle"/>
+              <a:tailEnd type="triangle"/>
+            </a:ln>
+          </p:spPr>
+          <p:style>
+            <a:lnRef idx="1">
+              <a:schemeClr val="accent1"/>
+            </a:lnRef>
+            <a:fillRef idx="0">
+              <a:schemeClr val="accent1"/>
+            </a:fillRef>
+            <a:effectRef idx="0">
+              <a:schemeClr val="accent1"/>
+            </a:effectRef>
+            <a:fontRef idx="minor">
+              <a:schemeClr val="tx1"/>
+            </a:fontRef>
+          </p:style>
+        </p:cxnSp>
+        <p:cxnSp>
+          <p:nvCxnSpPr>
+            <p:cNvPr id="128" name="연결선: 꺾임 127">
+              <a:extLst>
+                <a:ext uri="{FF2B5EF4-FFF2-40B4-BE49-F238E27FC236}">
+                  <a16:creationId xmlns:a16="http://schemas.microsoft.com/office/drawing/2014/main" id="{94D6E975-E719-433B-ADCE-4626FB78A7E3}"/>
+                </a:ext>
+              </a:extLst>
+            </p:cNvPr>
+            <p:cNvCxnSpPr>
+              <a:stCxn id="5" idx="2"/>
+              <a:endCxn id="11" idx="0"/>
+            </p:cNvCxnSpPr>
+            <p:nvPr/>
+          </p:nvCxnSpPr>
+          <p:spPr>
+            <a:xfrm rot="16200000" flipH="1">
+              <a:off x="5017391" y="-266850"/>
+              <a:ext cx="533375" cy="7136256"/>
+            </a:xfrm>
+            <a:prstGeom prst="bentConnector3">
+              <a:avLst/>
+            </a:prstGeom>
+            <a:ln w="19050">
+              <a:solidFill>
+                <a:schemeClr val="accent2"/>
+              </a:solidFill>
+              <a:headEnd type="triangle"/>
+              <a:tailEnd type="triangle"/>
+            </a:ln>
+          </p:spPr>
+          <p:style>
+            <a:lnRef idx="1">
+              <a:schemeClr val="accent1"/>
+            </a:lnRef>
+            <a:fillRef idx="0">
+              <a:schemeClr val="accent1"/>
+            </a:fillRef>
+            <a:effectRef idx="0">
+              <a:schemeClr val="accent1"/>
+            </a:effectRef>
+            <a:fontRef idx="minor">
+              <a:schemeClr val="tx1"/>
+            </a:fontRef>
+          </p:style>
+        </p:cxnSp>
+        <p:cxnSp>
+          <p:nvCxnSpPr>
+            <p:cNvPr id="130" name="연결선: 꺾임 129">
+              <a:extLst>
+                <a:ext uri="{FF2B5EF4-FFF2-40B4-BE49-F238E27FC236}">
+                  <a16:creationId xmlns:a16="http://schemas.microsoft.com/office/drawing/2014/main" id="{1CAB67D7-7630-4E0B-BEDA-0BC9A6B28AFB}"/>
+                </a:ext>
+              </a:extLst>
+            </p:cNvPr>
+            <p:cNvCxnSpPr>
+              <a:stCxn id="5" idx="2"/>
+              <a:endCxn id="9" idx="0"/>
+            </p:cNvCxnSpPr>
+            <p:nvPr/>
+          </p:nvCxnSpPr>
+          <p:spPr>
+            <a:xfrm rot="16200000" flipH="1">
+              <a:off x="5801258" y="-1050718"/>
+              <a:ext cx="533375" cy="8703991"/>
+            </a:xfrm>
+            <a:prstGeom prst="bentConnector3">
+              <a:avLst/>
+            </a:prstGeom>
+            <a:ln w="19050">
+              <a:solidFill>
+                <a:schemeClr val="accent2"/>
+              </a:solidFill>
+              <a:headEnd type="triangle"/>
+              <a:tailEnd type="triangle"/>
+            </a:ln>
+          </p:spPr>
+          <p:style>
+            <a:lnRef idx="1">
+              <a:schemeClr val="accent1"/>
+            </a:lnRef>
+            <a:fillRef idx="0">
+              <a:schemeClr val="accent1"/>
+            </a:fillRef>
+            <a:effectRef idx="0">
+              <a:schemeClr val="accent1"/>
+            </a:effectRef>
+            <a:fontRef idx="minor">
+              <a:schemeClr val="tx1"/>
+            </a:fontRef>
+          </p:style>
+        </p:cxnSp>
+        <p:sp>
+          <p:nvSpPr>
+            <p:cNvPr id="131" name="직사각형 130">
+              <a:extLst>
+                <a:ext uri="{FF2B5EF4-FFF2-40B4-BE49-F238E27FC236}">
+                  <a16:creationId xmlns:a16="http://schemas.microsoft.com/office/drawing/2014/main" id="{6C4C7B53-0A01-4034-9C35-E0F965ADD439}"/>
+                </a:ext>
+              </a:extLst>
+            </p:cNvPr>
+            <p:cNvSpPr/>
+            <p:nvPr/>
+          </p:nvSpPr>
+          <p:spPr>
+            <a:xfrm>
+              <a:off x="3418796" y="455841"/>
+              <a:ext cx="2557462" cy="504000"/>
+            </a:xfrm>
+            <a:prstGeom prst="rect">
+              <a:avLst/>
+            </a:prstGeom>
+            <a:solidFill>
+              <a:schemeClr val="accent2"/>
+            </a:solidFill>
+            <a:ln w="28575">
+              <a:solidFill>
+                <a:schemeClr val="accent2"/>
+              </a:solidFill>
+            </a:ln>
+          </p:spPr>
+          <p:style>
+            <a:lnRef idx="2">
+              <a:schemeClr val="accent1">
+                <a:shade val="50000"/>
+              </a:schemeClr>
+            </a:lnRef>
+            <a:fillRef idx="1">
+              <a:schemeClr val="accent1"/>
+            </a:fillRef>
+            <a:effectRef idx="0">
+              <a:schemeClr val="accent1"/>
+            </a:effectRef>
+            <a:fontRef idx="minor">
+              <a:schemeClr val="lt1"/>
+            </a:fontRef>
+          </p:style>
+          <p:txBody>
+            <a:bodyPr rtlCol="0" anchor="ctr"/>
+            <a:lstStyle/>
+            <a:p>
+              <a:pPr algn="ctr"/>
+              <a:r>
+                <a:rPr lang="en-US" altLang="ko-KR" b="1" dirty="0">
+                  <a:solidFill>
+                    <a:schemeClr val="bg1"/>
+                  </a:solidFill>
+                </a:rPr>
+                <a:t>Client browser</a:t>
+              </a:r>
+              <a:endParaRPr lang="ko-KR" altLang="en-US" b="1" dirty="0">
+                <a:solidFill>
+                  <a:schemeClr val="bg1"/>
+                </a:solidFill>
+              </a:endParaRPr>
+            </a:p>
+          </p:txBody>
+        </p:sp>
+        <p:cxnSp>
+          <p:nvCxnSpPr>
+            <p:cNvPr id="133" name="연결선: 꺾임 132">
+              <a:extLst>
+                <a:ext uri="{FF2B5EF4-FFF2-40B4-BE49-F238E27FC236}">
+                  <a16:creationId xmlns:a16="http://schemas.microsoft.com/office/drawing/2014/main" id="{6D9C3E8F-BE94-464D-8826-24F0B8114B3A}"/>
+                </a:ext>
+              </a:extLst>
+            </p:cNvPr>
+            <p:cNvCxnSpPr>
+              <a:stCxn id="5" idx="0"/>
+              <a:endCxn id="2" idx="1"/>
+            </p:cNvCxnSpPr>
+            <p:nvPr/>
+          </p:nvCxnSpPr>
+          <p:spPr>
+            <a:xfrm rot="5400000" flipH="1" flipV="1">
+              <a:off x="2209275" y="1251892"/>
+              <a:ext cx="785375" cy="1772024"/>
+            </a:xfrm>
+            <a:prstGeom prst="bentConnector2">
+              <a:avLst/>
+            </a:prstGeom>
+            <a:ln w="19050">
+              <a:solidFill>
+                <a:schemeClr val="accent2"/>
+              </a:solidFill>
+              <a:headEnd type="triangle"/>
+              <a:tailEnd type="triangle"/>
+            </a:ln>
+          </p:spPr>
+          <p:style>
+            <a:lnRef idx="1">
+              <a:schemeClr val="accent1"/>
+            </a:lnRef>
+            <a:fillRef idx="0">
+              <a:schemeClr val="accent1"/>
+            </a:fillRef>
+            <a:effectRef idx="0">
+              <a:schemeClr val="accent1"/>
+            </a:effectRef>
+            <a:fontRef idx="minor">
+              <a:schemeClr val="tx1"/>
+            </a:fontRef>
+          </p:style>
+        </p:cxnSp>
+        <p:cxnSp>
+          <p:nvCxnSpPr>
+            <p:cNvPr id="135" name="직선 화살표 연결선 134">
+              <a:extLst>
+                <a:ext uri="{FF2B5EF4-FFF2-40B4-BE49-F238E27FC236}">
+                  <a16:creationId xmlns:a16="http://schemas.microsoft.com/office/drawing/2014/main" id="{681FBFA9-8D8A-47F6-8B3A-B19658947C87}"/>
+                </a:ext>
+              </a:extLst>
+            </p:cNvPr>
+            <p:cNvCxnSpPr>
+              <a:stCxn id="131" idx="2"/>
+            </p:cNvCxnSpPr>
+            <p:nvPr/>
+          </p:nvCxnSpPr>
+          <p:spPr>
+            <a:xfrm>
+              <a:off x="4697527" y="959841"/>
+              <a:ext cx="0" cy="533375"/>
+            </a:xfrm>
+            <a:prstGeom prst="straightConnector1">
+              <a:avLst/>
+            </a:prstGeom>
+            <a:ln w="19050">
+              <a:solidFill>
+                <a:schemeClr val="accent2"/>
+              </a:solidFill>
+              <a:headEnd type="triangle"/>
+              <a:tailEnd type="triangle"/>
+            </a:ln>
+          </p:spPr>
+          <p:style>
+            <a:lnRef idx="1">
+              <a:schemeClr val="accent1"/>
+            </a:lnRef>
+            <a:fillRef idx="0">
+              <a:schemeClr val="accent1"/>
+            </a:fillRef>
+            <a:effectRef idx="0">
+              <a:schemeClr val="accent1"/>
+            </a:effectRef>
+            <a:fontRef idx="minor">
+              <a:schemeClr val="tx1"/>
+            </a:fontRef>
+          </p:style>
+        </p:cxnSp>
+        <p:cxnSp>
+          <p:nvCxnSpPr>
+            <p:cNvPr id="136" name="직선 화살표 연결선 135">
+              <a:extLst>
+                <a:ext uri="{FF2B5EF4-FFF2-40B4-BE49-F238E27FC236}">
+                  <a16:creationId xmlns:a16="http://schemas.microsoft.com/office/drawing/2014/main" id="{AC8130F5-3BE7-4276-8CEA-329F914E2EF6}"/>
+                </a:ext>
+              </a:extLst>
+            </p:cNvPr>
+            <p:cNvCxnSpPr/>
+            <p:nvPr/>
+          </p:nvCxnSpPr>
+          <p:spPr>
+            <a:xfrm>
+              <a:off x="7297970" y="959840"/>
+              <a:ext cx="0" cy="533375"/>
+            </a:xfrm>
+            <a:prstGeom prst="straightConnector1">
+              <a:avLst/>
+            </a:prstGeom>
+            <a:ln w="19050">
+              <a:solidFill>
+                <a:schemeClr val="accent2"/>
+              </a:solidFill>
+              <a:headEnd type="triangle"/>
+              <a:tailEnd type="triangle"/>
+            </a:ln>
+          </p:spPr>
+          <p:style>
+            <a:lnRef idx="1">
+              <a:schemeClr val="accent1"/>
+            </a:lnRef>
+            <a:fillRef idx="0">
+              <a:schemeClr val="accent1"/>
+            </a:fillRef>
+            <a:effectRef idx="0">
+              <a:schemeClr val="accent1"/>
+            </a:effectRef>
+            <a:fontRef idx="minor">
+              <a:schemeClr val="tx1"/>
+            </a:fontRef>
+          </p:style>
+        </p:cxnSp>
+        <p:cxnSp>
+          <p:nvCxnSpPr>
+            <p:cNvPr id="137" name="직선 화살표 연결선 136">
+              <a:extLst>
+                <a:ext uri="{FF2B5EF4-FFF2-40B4-BE49-F238E27FC236}">
+                  <a16:creationId xmlns:a16="http://schemas.microsoft.com/office/drawing/2014/main" id="{00958CDA-EA09-4998-8ADB-181B178701D3}"/>
+                </a:ext>
+              </a:extLst>
+            </p:cNvPr>
+            <p:cNvCxnSpPr/>
+            <p:nvPr/>
+          </p:nvCxnSpPr>
+          <p:spPr>
+            <a:xfrm>
+              <a:off x="9954382" y="959839"/>
+              <a:ext cx="0" cy="533375"/>
+            </a:xfrm>
+            <a:prstGeom prst="straightConnector1">
+              <a:avLst/>
+            </a:prstGeom>
+            <a:ln w="19050">
+              <a:solidFill>
+                <a:schemeClr val="accent2"/>
+              </a:solidFill>
+              <a:headEnd type="triangle"/>
+              <a:tailEnd type="triangle"/>
+            </a:ln>
+          </p:spPr>
+          <p:style>
+            <a:lnRef idx="1">
+              <a:schemeClr val="accent1"/>
+            </a:lnRef>
+            <a:fillRef idx="0">
+              <a:schemeClr val="accent1"/>
+            </a:fillRef>
+            <a:effectRef idx="0">
+              <a:schemeClr val="accent1"/>
+            </a:effectRef>
+            <a:fontRef idx="minor">
+              <a:schemeClr val="tx1"/>
+            </a:fontRef>
+          </p:style>
+        </p:cxnSp>
+        <p:cxnSp>
+          <p:nvCxnSpPr>
+            <p:cNvPr id="138" name="직선 화살표 연결선 137">
+              <a:extLst>
+                <a:ext uri="{FF2B5EF4-FFF2-40B4-BE49-F238E27FC236}">
+                  <a16:creationId xmlns:a16="http://schemas.microsoft.com/office/drawing/2014/main" id="{F0500A5F-5A97-4DB4-925F-4615D2ABB6BB}"/>
+                </a:ext>
+              </a:extLst>
+            </p:cNvPr>
+            <p:cNvCxnSpPr/>
+            <p:nvPr/>
+          </p:nvCxnSpPr>
+          <p:spPr>
+            <a:xfrm>
+              <a:off x="7313957" y="1997216"/>
+              <a:ext cx="0" cy="533375"/>
+            </a:xfrm>
+            <a:prstGeom prst="straightConnector1">
+              <a:avLst/>
+            </a:prstGeom>
+            <a:ln w="19050">
+              <a:solidFill>
+                <a:schemeClr val="accent2"/>
+              </a:solidFill>
+              <a:headEnd type="triangle"/>
+              <a:tailEnd type="triangle"/>
+            </a:ln>
+          </p:spPr>
+          <p:style>
+            <a:lnRef idx="1">
+              <a:schemeClr val="accent1"/>
+            </a:lnRef>
+            <a:fillRef idx="0">
+              <a:schemeClr val="accent1"/>
+            </a:fillRef>
+            <a:effectRef idx="0">
+              <a:schemeClr val="accent1"/>
+            </a:effectRef>
+            <a:fontRef idx="minor">
+              <a:schemeClr val="tx1"/>
+            </a:fontRef>
+          </p:style>
+        </p:cxnSp>
+        <p:cxnSp>
+          <p:nvCxnSpPr>
+            <p:cNvPr id="139" name="직선 화살표 연결선 138">
+              <a:extLst>
+                <a:ext uri="{FF2B5EF4-FFF2-40B4-BE49-F238E27FC236}">
+                  <a16:creationId xmlns:a16="http://schemas.microsoft.com/office/drawing/2014/main" id="{FD396A48-22F8-4751-8EB5-1A1403D55440}"/>
+                </a:ext>
+              </a:extLst>
+            </p:cNvPr>
+            <p:cNvCxnSpPr/>
+            <p:nvPr/>
+          </p:nvCxnSpPr>
+          <p:spPr>
+            <a:xfrm>
+              <a:off x="4360070" y="3034590"/>
+              <a:ext cx="0" cy="533375"/>
+            </a:xfrm>
+            <a:prstGeom prst="straightConnector1">
+              <a:avLst/>
+            </a:prstGeom>
+            <a:ln w="19050">
+              <a:solidFill>
+                <a:schemeClr val="accent2"/>
+              </a:solidFill>
+              <a:headEnd type="triangle"/>
+              <a:tailEnd type="triangle"/>
+            </a:ln>
+          </p:spPr>
+          <p:style>
+            <a:lnRef idx="1">
+              <a:schemeClr val="accent1"/>
+            </a:lnRef>
+            <a:fillRef idx="0">
+              <a:schemeClr val="accent1"/>
+            </a:fillRef>
+            <a:effectRef idx="0">
+              <a:schemeClr val="accent1"/>
+            </a:effectRef>
+            <a:fontRef idx="minor">
+              <a:schemeClr val="tx1"/>
+            </a:fontRef>
+          </p:style>
+        </p:cxnSp>
+        <p:cxnSp>
+          <p:nvCxnSpPr>
+            <p:cNvPr id="140" name="직선 화살표 연결선 139">
+              <a:extLst>
+                <a:ext uri="{FF2B5EF4-FFF2-40B4-BE49-F238E27FC236}">
+                  <a16:creationId xmlns:a16="http://schemas.microsoft.com/office/drawing/2014/main" id="{EEDA0777-4BC0-48E8-8E42-74DF439E7C43}"/>
+                </a:ext>
+              </a:extLst>
+            </p:cNvPr>
+            <p:cNvCxnSpPr/>
+            <p:nvPr/>
+          </p:nvCxnSpPr>
+          <p:spPr>
+            <a:xfrm>
+              <a:off x="10641127" y="3034589"/>
+              <a:ext cx="0" cy="533375"/>
+            </a:xfrm>
+            <a:prstGeom prst="straightConnector1">
+              <a:avLst/>
+            </a:prstGeom>
+            <a:ln w="19050">
+              <a:solidFill>
+                <a:schemeClr val="accent2"/>
+              </a:solidFill>
+              <a:headEnd type="triangle"/>
+              <a:tailEnd type="triangle"/>
+            </a:ln>
+          </p:spPr>
+          <p:style>
+            <a:lnRef idx="1">
+              <a:schemeClr val="accent1"/>
+            </a:lnRef>
+            <a:fillRef idx="0">
+              <a:schemeClr val="accent1"/>
+            </a:fillRef>
+            <a:effectRef idx="0">
+              <a:schemeClr val="accent1"/>
+            </a:effectRef>
+            <a:fontRef idx="minor">
+              <a:schemeClr val="tx1"/>
+            </a:fontRef>
+          </p:style>
+        </p:cxnSp>
+        <p:cxnSp>
+          <p:nvCxnSpPr>
+            <p:cNvPr id="141" name="직선 화살표 연결선 140">
+              <a:extLst>
+                <a:ext uri="{FF2B5EF4-FFF2-40B4-BE49-F238E27FC236}">
+                  <a16:creationId xmlns:a16="http://schemas.microsoft.com/office/drawing/2014/main" id="{3FADFE09-5972-4947-B467-D67C3CD7F089}"/>
+                </a:ext>
+              </a:extLst>
+            </p:cNvPr>
+            <p:cNvCxnSpPr/>
+            <p:nvPr/>
+          </p:nvCxnSpPr>
+          <p:spPr>
+            <a:xfrm>
+              <a:off x="5930334" y="3034589"/>
+              <a:ext cx="0" cy="533375"/>
+            </a:xfrm>
+            <a:prstGeom prst="straightConnector1">
+              <a:avLst/>
+            </a:prstGeom>
+            <a:ln w="19050">
+              <a:solidFill>
+                <a:schemeClr val="accent2"/>
+              </a:solidFill>
+              <a:headEnd type="triangle"/>
+              <a:tailEnd type="triangle"/>
+            </a:ln>
+          </p:spPr>
+          <p:style>
+            <a:lnRef idx="1">
+              <a:schemeClr val="accent1"/>
+            </a:lnRef>
+            <a:fillRef idx="0">
+              <a:schemeClr val="accent1"/>
+            </a:fillRef>
+            <a:effectRef idx="0">
+              <a:schemeClr val="accent1"/>
+            </a:effectRef>
+            <a:fontRef idx="minor">
+              <a:schemeClr val="tx1"/>
+            </a:fontRef>
+          </p:style>
+        </p:cxnSp>
+        <p:cxnSp>
+          <p:nvCxnSpPr>
+            <p:cNvPr id="142" name="직선 화살표 연결선 141">
+              <a:extLst>
+                <a:ext uri="{FF2B5EF4-FFF2-40B4-BE49-F238E27FC236}">
+                  <a16:creationId xmlns:a16="http://schemas.microsoft.com/office/drawing/2014/main" id="{6B778AC0-8D58-45F7-BB94-4F4DD80CABB3}"/>
+                </a:ext>
+              </a:extLst>
+            </p:cNvPr>
+            <p:cNvCxnSpPr/>
+            <p:nvPr/>
+          </p:nvCxnSpPr>
+          <p:spPr>
+            <a:xfrm>
+              <a:off x="7500598" y="3034589"/>
+              <a:ext cx="0" cy="533375"/>
+            </a:xfrm>
+            <a:prstGeom prst="straightConnector1">
+              <a:avLst/>
+            </a:prstGeom>
+            <a:ln w="19050">
+              <a:solidFill>
+                <a:schemeClr val="accent2"/>
+              </a:solidFill>
+              <a:headEnd type="triangle"/>
+              <a:tailEnd type="triangle"/>
+            </a:ln>
+          </p:spPr>
+          <p:style>
+            <a:lnRef idx="1">
+              <a:schemeClr val="accent1"/>
+            </a:lnRef>
+            <a:fillRef idx="0">
+              <a:schemeClr val="accent1"/>
+            </a:fillRef>
+            <a:effectRef idx="0">
+              <a:schemeClr val="accent1"/>
+            </a:effectRef>
+            <a:fontRef idx="minor">
+              <a:schemeClr val="tx1"/>
+            </a:fontRef>
+          </p:style>
+        </p:cxnSp>
+        <p:cxnSp>
+          <p:nvCxnSpPr>
+            <p:cNvPr id="143" name="직선 화살표 연결선 142">
+              <a:extLst>
+                <a:ext uri="{FF2B5EF4-FFF2-40B4-BE49-F238E27FC236}">
+                  <a16:creationId xmlns:a16="http://schemas.microsoft.com/office/drawing/2014/main" id="{6B0527D2-1DA8-45EE-8E97-6ABA022C41B8}"/>
+                </a:ext>
+              </a:extLst>
+            </p:cNvPr>
+            <p:cNvCxnSpPr/>
+            <p:nvPr/>
+          </p:nvCxnSpPr>
+          <p:spPr>
+            <a:xfrm>
+              <a:off x="9070862" y="3034588"/>
+              <a:ext cx="0" cy="533375"/>
+            </a:xfrm>
+            <a:prstGeom prst="straightConnector1">
+              <a:avLst/>
+            </a:prstGeom>
+            <a:ln w="19050">
+              <a:solidFill>
+                <a:schemeClr val="accent2"/>
+              </a:solidFill>
+              <a:headEnd type="triangle"/>
+              <a:tailEnd type="triangle"/>
+            </a:ln>
+          </p:spPr>
+          <p:style>
+            <a:lnRef idx="1">
+              <a:schemeClr val="accent1"/>
+            </a:lnRef>
+            <a:fillRef idx="0">
+              <a:schemeClr val="accent1"/>
+            </a:fillRef>
+            <a:effectRef idx="0">
+              <a:schemeClr val="accent1"/>
+            </a:effectRef>
+            <a:fontRef idx="minor">
+              <a:schemeClr val="tx1"/>
+            </a:fontRef>
+          </p:style>
+        </p:cxnSp>
+        <p:cxnSp>
+          <p:nvCxnSpPr>
+            <p:cNvPr id="144" name="직선 화살표 연결선 143">
+              <a:extLst>
+                <a:ext uri="{FF2B5EF4-FFF2-40B4-BE49-F238E27FC236}">
+                  <a16:creationId xmlns:a16="http://schemas.microsoft.com/office/drawing/2014/main" id="{86BAF09B-F167-4F47-9D7A-9C2442D84474}"/>
+                </a:ext>
+              </a:extLst>
+            </p:cNvPr>
+            <p:cNvCxnSpPr/>
+            <p:nvPr/>
+          </p:nvCxnSpPr>
+          <p:spPr>
+            <a:xfrm>
+              <a:off x="4143944" y="4071966"/>
+              <a:ext cx="0" cy="533375"/>
+            </a:xfrm>
+            <a:prstGeom prst="straightConnector1">
+              <a:avLst/>
+            </a:prstGeom>
+            <a:ln w="19050">
+              <a:solidFill>
+                <a:schemeClr val="accent2"/>
+              </a:solidFill>
+              <a:headEnd type="triangle"/>
+              <a:tailEnd type="triangle"/>
+            </a:ln>
+          </p:spPr>
+          <p:style>
+            <a:lnRef idx="1">
+              <a:schemeClr val="accent1"/>
+            </a:lnRef>
+            <a:fillRef idx="0">
+              <a:schemeClr val="accent1"/>
+            </a:fillRef>
+            <a:effectRef idx="0">
+              <a:schemeClr val="accent1"/>
+            </a:effectRef>
+            <a:fontRef idx="minor">
+              <a:schemeClr val="tx1"/>
+            </a:fontRef>
+          </p:style>
+        </p:cxnSp>
+        <p:cxnSp>
+          <p:nvCxnSpPr>
+            <p:cNvPr id="145" name="직선 화살표 연결선 144">
+              <a:extLst>
+                <a:ext uri="{FF2B5EF4-FFF2-40B4-BE49-F238E27FC236}">
+                  <a16:creationId xmlns:a16="http://schemas.microsoft.com/office/drawing/2014/main" id="{288BFF39-6E6F-49EC-82F8-0645965DD95A}"/>
+                </a:ext>
+              </a:extLst>
+            </p:cNvPr>
+            <p:cNvCxnSpPr/>
+            <p:nvPr/>
+          </p:nvCxnSpPr>
+          <p:spPr>
+            <a:xfrm>
+              <a:off x="10425001" y="4071965"/>
+              <a:ext cx="0" cy="533375"/>
+            </a:xfrm>
+            <a:prstGeom prst="straightConnector1">
+              <a:avLst/>
+            </a:prstGeom>
+            <a:ln w="19050">
+              <a:solidFill>
+                <a:schemeClr val="accent2"/>
+              </a:solidFill>
+              <a:headEnd type="triangle"/>
+              <a:tailEnd type="triangle"/>
+            </a:ln>
+          </p:spPr>
+          <p:style>
+            <a:lnRef idx="1">
+              <a:schemeClr val="accent1"/>
+            </a:lnRef>
+            <a:fillRef idx="0">
+              <a:schemeClr val="accent1"/>
+            </a:fillRef>
+            <a:effectRef idx="0">
+              <a:schemeClr val="accent1"/>
+            </a:effectRef>
+            <a:fontRef idx="minor">
+              <a:schemeClr val="tx1"/>
+            </a:fontRef>
+          </p:style>
+        </p:cxnSp>
+        <p:cxnSp>
+          <p:nvCxnSpPr>
+            <p:cNvPr id="146" name="직선 화살표 연결선 145">
+              <a:extLst>
+                <a:ext uri="{FF2B5EF4-FFF2-40B4-BE49-F238E27FC236}">
+                  <a16:creationId xmlns:a16="http://schemas.microsoft.com/office/drawing/2014/main" id="{E558F8B9-4F3B-4CA5-9B60-949AA6F3C761}"/>
+                </a:ext>
+              </a:extLst>
+            </p:cNvPr>
+            <p:cNvCxnSpPr/>
+            <p:nvPr/>
+          </p:nvCxnSpPr>
+          <p:spPr>
+            <a:xfrm>
+              <a:off x="5714208" y="4071965"/>
+              <a:ext cx="0" cy="533375"/>
+            </a:xfrm>
+            <a:prstGeom prst="straightConnector1">
+              <a:avLst/>
+            </a:prstGeom>
+            <a:ln w="19050">
+              <a:solidFill>
+                <a:schemeClr val="accent2"/>
+              </a:solidFill>
+              <a:headEnd type="triangle"/>
+              <a:tailEnd type="triangle"/>
+            </a:ln>
+          </p:spPr>
+          <p:style>
+            <a:lnRef idx="1">
+              <a:schemeClr val="accent1"/>
+            </a:lnRef>
+            <a:fillRef idx="0">
+              <a:schemeClr val="accent1"/>
+            </a:fillRef>
+            <a:effectRef idx="0">
+              <a:schemeClr val="accent1"/>
+            </a:effectRef>
+            <a:fontRef idx="minor">
+              <a:schemeClr val="tx1"/>
+            </a:fontRef>
+          </p:style>
+        </p:cxnSp>
+        <p:cxnSp>
+          <p:nvCxnSpPr>
+            <p:cNvPr id="147" name="직선 화살표 연결선 146">
+              <a:extLst>
+                <a:ext uri="{FF2B5EF4-FFF2-40B4-BE49-F238E27FC236}">
+                  <a16:creationId xmlns:a16="http://schemas.microsoft.com/office/drawing/2014/main" id="{634C73D2-1826-4007-B2A7-66406926B00A}"/>
+                </a:ext>
+              </a:extLst>
+            </p:cNvPr>
+            <p:cNvCxnSpPr/>
+            <p:nvPr/>
+          </p:nvCxnSpPr>
+          <p:spPr>
+            <a:xfrm>
+              <a:off x="7284472" y="4071965"/>
+              <a:ext cx="0" cy="533375"/>
+            </a:xfrm>
+            <a:prstGeom prst="straightConnector1">
+              <a:avLst/>
+            </a:prstGeom>
+            <a:ln w="19050">
+              <a:solidFill>
+                <a:schemeClr val="accent2"/>
+              </a:solidFill>
+              <a:headEnd type="triangle"/>
+              <a:tailEnd type="triangle"/>
+            </a:ln>
+          </p:spPr>
+          <p:style>
+            <a:lnRef idx="1">
+              <a:schemeClr val="accent1"/>
+            </a:lnRef>
+            <a:fillRef idx="0">
+              <a:schemeClr val="accent1"/>
+            </a:fillRef>
+            <a:effectRef idx="0">
+              <a:schemeClr val="accent1"/>
+            </a:effectRef>
+            <a:fontRef idx="minor">
+              <a:schemeClr val="tx1"/>
+            </a:fontRef>
+          </p:style>
+        </p:cxnSp>
+        <p:cxnSp>
+          <p:nvCxnSpPr>
+            <p:cNvPr id="148" name="직선 화살표 연결선 147">
+              <a:extLst>
+                <a:ext uri="{FF2B5EF4-FFF2-40B4-BE49-F238E27FC236}">
+                  <a16:creationId xmlns:a16="http://schemas.microsoft.com/office/drawing/2014/main" id="{D979B15A-196E-4064-AC51-1BCB8F1CA15D}"/>
+                </a:ext>
+              </a:extLst>
+            </p:cNvPr>
+            <p:cNvCxnSpPr/>
+            <p:nvPr/>
+          </p:nvCxnSpPr>
+          <p:spPr>
+            <a:xfrm>
+              <a:off x="8854736" y="4071964"/>
+              <a:ext cx="0" cy="533375"/>
+            </a:xfrm>
+            <a:prstGeom prst="straightConnector1">
+              <a:avLst/>
+            </a:prstGeom>
+            <a:ln w="19050">
+              <a:solidFill>
+                <a:schemeClr val="accent2"/>
+              </a:solidFill>
+              <a:headEnd type="triangle"/>
+              <a:tailEnd type="triangle"/>
+            </a:ln>
+          </p:spPr>
+          <p:style>
+            <a:lnRef idx="1">
+              <a:schemeClr val="accent1"/>
+            </a:lnRef>
+            <a:fillRef idx="0">
+              <a:schemeClr val="accent1"/>
+            </a:fillRef>
+            <a:effectRef idx="0">
+              <a:schemeClr val="accent1"/>
+            </a:effectRef>
+            <a:fontRef idx="minor">
+              <a:schemeClr val="tx1"/>
+            </a:fontRef>
+          </p:style>
+        </p:cxnSp>
+        <p:cxnSp>
+          <p:nvCxnSpPr>
+            <p:cNvPr id="149" name="직선 화살표 연결선 148">
+              <a:extLst>
+                <a:ext uri="{FF2B5EF4-FFF2-40B4-BE49-F238E27FC236}">
+                  <a16:creationId xmlns:a16="http://schemas.microsoft.com/office/drawing/2014/main" id="{26A00F8A-7B26-47BA-B838-05D10D64A148}"/>
+                </a:ext>
+              </a:extLst>
+            </p:cNvPr>
+            <p:cNvCxnSpPr>
+              <a:cxnSpLocks/>
+            </p:cNvCxnSpPr>
+            <p:nvPr/>
+          </p:nvCxnSpPr>
+          <p:spPr>
+            <a:xfrm>
+              <a:off x="1701550" y="3034588"/>
+              <a:ext cx="0" cy="1570751"/>
+            </a:xfrm>
+            <a:prstGeom prst="straightConnector1">
+              <a:avLst/>
+            </a:prstGeom>
+            <a:ln w="19050">
+              <a:solidFill>
+                <a:schemeClr val="accent2"/>
+              </a:solidFill>
+              <a:headEnd type="triangle"/>
+              <a:tailEnd type="triangle"/>
+            </a:ln>
+          </p:spPr>
+          <p:style>
+            <a:lnRef idx="1">
+              <a:schemeClr val="accent1"/>
+            </a:lnRef>
+            <a:fillRef idx="0">
+              <a:schemeClr val="accent1"/>
+            </a:fillRef>
+            <a:effectRef idx="0">
+              <a:schemeClr val="accent1"/>
+            </a:effectRef>
+            <a:fontRef idx="minor">
+              <a:schemeClr val="tx1"/>
+            </a:fontRef>
+          </p:style>
+        </p:cxnSp>
+      </p:grpSp>
+    </p:spTree>
+    <p:extLst>
+      <p:ext uri="{BB962C8B-B14F-4D97-AF65-F5344CB8AC3E}">
+        <p14:creationId xmlns:p14="http://schemas.microsoft.com/office/powerpoint/2010/main" val="2775743809"/>
+      </p:ext>
+    </p:extLst>
+  </p:cSld>
+  <p:clrMapOvr>
+    <a:masterClrMapping/>
+  </p:clrMapOvr>
+</p:sld>
+</file>
+
 <file path=ppt/theme/theme1.xml><?xml version="1.0" encoding="utf-8"?>
 <a:theme xmlns:a="http://schemas.openxmlformats.org/drawingml/2006/main" name="Office 테마">
   <a:themeElements>
